--- a/documents/part-01.pptx
+++ b/documents/part-01.pptx
@@ -130,6 +130,30 @@
 
 <file path=ppt/changesInfos/changesInfo1.xml><?xml version="1.0" encoding="utf-8"?>
 <pc:chgInfo xmlns:a="http://schemas.openxmlformats.org/drawingml/2006/main" xmlns:r="http://schemas.openxmlformats.org/officeDocument/2006/relationships" xmlns:ac="http://schemas.microsoft.com/office/drawing/2013/main/command" xmlns:pc="http://schemas.microsoft.com/office/powerpoint/2013/main/command">
+  <pc:docChgLst>
+    <pc:chgData name="Chee Keet Wong" userId="155b81f272b81788" providerId="LiveId" clId="{893060F6-B2CE-4ACE-A2F9-DC640F1190A9}"/>
+    <pc:docChg chg="modSld">
+      <pc:chgData name="Chee Keet Wong" userId="155b81f272b81788" providerId="LiveId" clId="{893060F6-B2CE-4ACE-A2F9-DC640F1190A9}" dt="2019-08-04T12:11:26.187" v="78" actId="20577"/>
+      <pc:docMkLst>
+        <pc:docMk/>
+      </pc:docMkLst>
+      <pc:sldChg chg="modSp">
+        <pc:chgData name="Chee Keet Wong" userId="155b81f272b81788" providerId="LiveId" clId="{893060F6-B2CE-4ACE-A2F9-DC640F1190A9}" dt="2019-08-04T12:11:26.187" v="78" actId="20577"/>
+        <pc:sldMkLst>
+          <pc:docMk/>
+          <pc:sldMk cId="213103976" sldId="259"/>
+        </pc:sldMkLst>
+        <pc:spChg chg="mod">
+          <ac:chgData name="Chee Keet Wong" userId="155b81f272b81788" providerId="LiveId" clId="{893060F6-B2CE-4ACE-A2F9-DC640F1190A9}" dt="2019-08-04T12:11:26.187" v="78" actId="20577"/>
+          <ac:spMkLst>
+            <pc:docMk/>
+            <pc:sldMk cId="213103976" sldId="259"/>
+            <ac:spMk id="6" creationId="{0EB37CC9-1BE8-46DE-90B1-A9D4981970E7}"/>
+          </ac:spMkLst>
+        </pc:spChg>
+      </pc:sldChg>
+    </pc:docChg>
+  </pc:docChgLst>
   <pc:docChgLst>
     <pc:chgData name="Chee Keet Wong" userId="155b81f272b81788" providerId="LiveId" clId="{43D3DB34-10D2-423B-85AD-1DC0152F8156}"/>
     <pc:docChg chg="undo custSel mod addSld delSld modSld sldOrd">
@@ -5450,7 +5474,19 @@
           <a:p>
             <a:r>
               <a:rPr lang="en-SG" dirty="0"/>
-              <a:t>Linear, Ridge, Lasso Regressions</a:t>
+              <a:t>Linear Regression</a:t>
+            </a:r>
+          </a:p>
+          <a:p>
+            <a:r>
+              <a:rPr lang="en-SG" dirty="0"/>
+              <a:t>Ridge Regression</a:t>
+            </a:r>
+          </a:p>
+          <a:p>
+            <a:r>
+              <a:rPr lang="en-SG" dirty="0"/>
+              <a:t>Lasso Regression</a:t>
             </a:r>
           </a:p>
         </p:txBody>

--- a/documents/part-01.pptx
+++ b/documents/part-01.pptx
@@ -123,7 +123,7 @@
 <file path=ppt/revisionInfo.xml><?xml version="1.0" encoding="utf-8"?>
 <p1510:revInfo xmlns:a="http://schemas.openxmlformats.org/drawingml/2006/main" xmlns:r="http://schemas.openxmlformats.org/officeDocument/2006/relationships" xmlns:p1510="http://schemas.microsoft.com/office/powerpoint/2015/10/main">
   <p1510:revLst>
-    <p1510:client id="{43D3DB34-10D2-423B-85AD-1DC0152F8156}" v="22" dt="2019-08-04T03:03:00.266"/>
+    <p1510:client id="{893060F6-B2CE-4ACE-A2F9-DC640F1190A9}" v="1" dt="2019-08-10T03:46:24.193"/>
   </p1510:revLst>
 </p1510:revInfo>
 </file>
@@ -258,53 +258,6 @@
           <ac:spMkLst>
             <pc:docMk/>
             <pc:sldMk cId="213103976" sldId="259"/>
-            <ac:spMk id="16" creationId="{EC78C0F4-9CD0-467F-AA94-2A6DDC17DBE5}"/>
-          </ac:spMkLst>
-        </pc:spChg>
-      </pc:sldChg>
-      <pc:sldChg chg="addSp delSp modSp add del">
-        <pc:chgData name="Chee Keet Wong" userId="155b81f272b81788" providerId="LiveId" clId="{43D3DB34-10D2-423B-85AD-1DC0152F8156}" dt="2019-08-03T08:51:23.828" v="107" actId="2696"/>
-        <pc:sldMkLst>
-          <pc:docMk/>
-          <pc:sldMk cId="1621379962" sldId="259"/>
-        </pc:sldMkLst>
-        <pc:spChg chg="del">
-          <ac:chgData name="Chee Keet Wong" userId="155b81f272b81788" providerId="LiveId" clId="{43D3DB34-10D2-423B-85AD-1DC0152F8156}" dt="2019-08-03T08:29:40.008" v="3" actId="478"/>
-          <ac:spMkLst>
-            <pc:docMk/>
-            <pc:sldMk cId="1621379962" sldId="259"/>
-            <ac:spMk id="2" creationId="{6622ECEB-FF04-410E-B88E-7D66AAF3C189}"/>
-          </ac:spMkLst>
-        </pc:spChg>
-        <pc:spChg chg="mod">
-          <ac:chgData name="Chee Keet Wong" userId="155b81f272b81788" providerId="LiveId" clId="{43D3DB34-10D2-423B-85AD-1DC0152F8156}" dt="2019-08-03T08:43:41.118" v="83" actId="20577"/>
-          <ac:spMkLst>
-            <pc:docMk/>
-            <pc:sldMk cId="1621379962" sldId="259"/>
-            <ac:spMk id="4" creationId="{2045CD27-12B6-493C-B70E-8DB562971787}"/>
-          </ac:spMkLst>
-        </pc:spChg>
-        <pc:spChg chg="mod">
-          <ac:chgData name="Chee Keet Wong" userId="155b81f272b81788" providerId="LiveId" clId="{43D3DB34-10D2-423B-85AD-1DC0152F8156}" dt="2019-08-03T08:44:46.621" v="104" actId="20577"/>
-          <ac:spMkLst>
-            <pc:docMk/>
-            <pc:sldMk cId="1621379962" sldId="259"/>
-            <ac:spMk id="6" creationId="{0EB37CC9-1BE8-46DE-90B1-A9D4981970E7}"/>
-          </ac:spMkLst>
-        </pc:spChg>
-        <pc:spChg chg="add del">
-          <ac:chgData name="Chee Keet Wong" userId="155b81f272b81788" providerId="LiveId" clId="{43D3DB34-10D2-423B-85AD-1DC0152F8156}" dt="2019-08-03T08:43:08.439" v="5"/>
-          <ac:spMkLst>
-            <pc:docMk/>
-            <pc:sldMk cId="1621379962" sldId="259"/>
-            <ac:spMk id="8" creationId="{12A59E25-11D3-4A4C-BE08-2B6FA1C0EE33}"/>
-          </ac:spMkLst>
-        </pc:spChg>
-        <pc:spChg chg="mod">
-          <ac:chgData name="Chee Keet Wong" userId="155b81f272b81788" providerId="LiveId" clId="{43D3DB34-10D2-423B-85AD-1DC0152F8156}" dt="2019-08-03T08:46:10.252" v="106" actId="27636"/>
-          <ac:spMkLst>
-            <pc:docMk/>
-            <pc:sldMk cId="1621379962" sldId="259"/>
             <ac:spMk id="16" creationId="{EC78C0F4-9CD0-467F-AA94-2A6DDC17DBE5}"/>
           </ac:spMkLst>
         </pc:spChg>
@@ -619,117 +572,6 @@
       <pc:docMkLst>
         <pc:docMk/>
       </pc:docMkLst>
-      <pc:sldChg chg="addSp delSp modSp add del">
-        <pc:chgData name="Chee Keet Wong" userId="155b81f272b81788" providerId="LiveId" clId="{93507BAF-8A32-4A36-AB94-5999714FA960}" dt="2019-08-03T04:33:38.476" v="488" actId="2696"/>
-        <pc:sldMkLst>
-          <pc:docMk/>
-          <pc:sldMk cId="29256896" sldId="256"/>
-        </pc:sldMkLst>
-        <pc:spChg chg="del">
-          <ac:chgData name="Chee Keet Wong" userId="155b81f272b81788" providerId="LiveId" clId="{93507BAF-8A32-4A36-AB94-5999714FA960}" dt="2019-08-03T04:12:04.522" v="1"/>
-          <ac:spMkLst>
-            <pc:docMk/>
-            <pc:sldMk cId="29256896" sldId="256"/>
-            <ac:spMk id="2" creationId="{34C7D7DF-9EDB-4DBC-8FE6-F0CDCAB35173}"/>
-          </ac:spMkLst>
-        </pc:spChg>
-        <pc:spChg chg="del">
-          <ac:chgData name="Chee Keet Wong" userId="155b81f272b81788" providerId="LiveId" clId="{93507BAF-8A32-4A36-AB94-5999714FA960}" dt="2019-08-03T04:12:04.522" v="1"/>
-          <ac:spMkLst>
-            <pc:docMk/>
-            <pc:sldMk cId="29256896" sldId="256"/>
-            <ac:spMk id="3" creationId="{DF546ABA-91C8-483C-A33F-11A84C5E4795}"/>
-          </ac:spMkLst>
-        </pc:spChg>
-        <pc:spChg chg="add del mod">
-          <ac:chgData name="Chee Keet Wong" userId="155b81f272b81788" providerId="LiveId" clId="{93507BAF-8A32-4A36-AB94-5999714FA960}" dt="2019-08-03T04:12:24.997" v="2" actId="478"/>
-          <ac:spMkLst>
-            <pc:docMk/>
-            <pc:sldMk cId="29256896" sldId="256"/>
-            <ac:spMk id="4" creationId="{7E388042-817E-4EC6-AE38-1B48A692DCC0}"/>
-          </ac:spMkLst>
-        </pc:spChg>
-        <pc:spChg chg="add del mod">
-          <ac:chgData name="Chee Keet Wong" userId="155b81f272b81788" providerId="LiveId" clId="{93507BAF-8A32-4A36-AB94-5999714FA960}" dt="2019-08-03T04:12:26.450" v="3" actId="478"/>
-          <ac:spMkLst>
-            <pc:docMk/>
-            <pc:sldMk cId="29256896" sldId="256"/>
-            <ac:spMk id="5" creationId="{984CBF44-DA05-41B2-AD87-3629B918C279}"/>
-          </ac:spMkLst>
-        </pc:spChg>
-        <pc:spChg chg="add mod">
-          <ac:chgData name="Chee Keet Wong" userId="155b81f272b81788" providerId="LiveId" clId="{93507BAF-8A32-4A36-AB94-5999714FA960}" dt="2019-08-03T04:26:53.693" v="301" actId="27636"/>
-          <ac:spMkLst>
-            <pc:docMk/>
-            <pc:sldMk cId="29256896" sldId="256"/>
-            <ac:spMk id="6" creationId="{11D290B6-5FEE-4B6D-9D40-C7FD2F497C45}"/>
-          </ac:spMkLst>
-        </pc:spChg>
-        <pc:spChg chg="add del mod">
-          <ac:chgData name="Chee Keet Wong" userId="155b81f272b81788" providerId="LiveId" clId="{93507BAF-8A32-4A36-AB94-5999714FA960}" dt="2019-08-03T04:12:27.341" v="4" actId="478"/>
-          <ac:spMkLst>
-            <pc:docMk/>
-            <pc:sldMk cId="29256896" sldId="256"/>
-            <ac:spMk id="7" creationId="{0AD93DC4-00CE-414F-9682-76A0B7E6825E}"/>
-          </ac:spMkLst>
-        </pc:spChg>
-        <pc:spChg chg="add mod">
-          <ac:chgData name="Chee Keet Wong" userId="155b81f272b81788" providerId="LiveId" clId="{93507BAF-8A32-4A36-AB94-5999714FA960}" dt="2019-08-03T04:26:53.689" v="300" actId="27636"/>
-          <ac:spMkLst>
-            <pc:docMk/>
-            <pc:sldMk cId="29256896" sldId="256"/>
-            <ac:spMk id="8" creationId="{3BB2B08B-3BBB-43DD-A4FF-BA12ACAD442D}"/>
-          </ac:spMkLst>
-        </pc:spChg>
-        <pc:spChg chg="add del mod">
-          <ac:chgData name="Chee Keet Wong" userId="155b81f272b81788" providerId="LiveId" clId="{93507BAF-8A32-4A36-AB94-5999714FA960}" dt="2019-08-03T04:13:29.588" v="17" actId="478"/>
-          <ac:spMkLst>
-            <pc:docMk/>
-            <pc:sldMk cId="29256896" sldId="256"/>
-            <ac:spMk id="10" creationId="{2B7C1AE7-3D37-4C85-8946-C9DA2BB6D513}"/>
-          </ac:spMkLst>
-        </pc:spChg>
-        <pc:spChg chg="add del mod">
-          <ac:chgData name="Chee Keet Wong" userId="155b81f272b81788" providerId="LiveId" clId="{93507BAF-8A32-4A36-AB94-5999714FA960}" dt="2019-08-03T04:13:31.697" v="18" actId="478"/>
-          <ac:spMkLst>
-            <pc:docMk/>
-            <pc:sldMk cId="29256896" sldId="256"/>
-            <ac:spMk id="11" creationId="{111C522C-062E-4AAD-AFD3-BDB7D734CC49}"/>
-          </ac:spMkLst>
-        </pc:spChg>
-        <pc:spChg chg="add mod">
-          <ac:chgData name="Chee Keet Wong" userId="155b81f272b81788" providerId="LiveId" clId="{93507BAF-8A32-4A36-AB94-5999714FA960}" dt="2019-08-03T04:21:47.208" v="280" actId="5793"/>
-          <ac:spMkLst>
-            <pc:docMk/>
-            <pc:sldMk cId="29256896" sldId="256"/>
-            <ac:spMk id="12" creationId="{3A75C357-6BBC-412B-BCC9-3980A22F4E7F}"/>
-          </ac:spMkLst>
-        </pc:spChg>
-        <pc:spChg chg="add del mod">
-          <ac:chgData name="Chee Keet Wong" userId="155b81f272b81788" providerId="LiveId" clId="{93507BAF-8A32-4A36-AB94-5999714FA960}" dt="2019-08-03T04:27:26.969" v="340" actId="20577"/>
-          <ac:spMkLst>
-            <pc:docMk/>
-            <pc:sldMk cId="29256896" sldId="256"/>
-            <ac:spMk id="13" creationId="{B3969CF5-ACE1-459B-8D59-F1806E9F6568}"/>
-          </ac:spMkLst>
-        </pc:spChg>
-        <pc:picChg chg="add del mod">
-          <ac:chgData name="Chee Keet Wong" userId="155b81f272b81788" providerId="LiveId" clId="{93507BAF-8A32-4A36-AB94-5999714FA960}" dt="2019-08-03T04:12:53.194" v="8" actId="478"/>
-          <ac:picMkLst>
-            <pc:docMk/>
-            <pc:sldMk cId="29256896" sldId="256"/>
-            <ac:picMk id="9" creationId="{70ED0AEA-E761-4857-B638-C39DFCCBF655}"/>
-          </ac:picMkLst>
-        </pc:picChg>
-        <pc:picChg chg="add mod">
-          <ac:chgData name="Chee Keet Wong" userId="155b81f272b81788" providerId="LiveId" clId="{93507BAF-8A32-4A36-AB94-5999714FA960}" dt="2019-08-03T04:27:06.576" v="302" actId="1076"/>
-          <ac:picMkLst>
-            <pc:docMk/>
-            <pc:sldMk cId="29256896" sldId="256"/>
-            <ac:picMk id="15" creationId="{2FA658FF-C116-4049-B183-4FB943629C3D}"/>
-          </ac:picMkLst>
-        </pc:picChg>
-      </pc:sldChg>
       <pc:sldChg chg="addSp delSp modSp add">
         <pc:chgData name="Chee Keet Wong" userId="155b81f272b81788" providerId="LiveId" clId="{93507BAF-8A32-4A36-AB94-5999714FA960}" dt="2019-08-03T04:40:23.280" v="718" actId="20577"/>
         <pc:sldMkLst>
@@ -857,13 +699,6 @@
           </ac:picMkLst>
         </pc:picChg>
       </pc:sldChg>
-      <pc:sldChg chg="add del">
-        <pc:chgData name="Chee Keet Wong" userId="155b81f272b81788" providerId="LiveId" clId="{93507BAF-8A32-4A36-AB94-5999714FA960}" dt="2019-08-03T04:33:40.703" v="489" actId="2696"/>
-        <pc:sldMkLst>
-          <pc:docMk/>
-          <pc:sldMk cId="2189647028" sldId="258"/>
-        </pc:sldMkLst>
-      </pc:sldChg>
       <pc:sldChg chg="addSp delSp modSp add">
         <pc:chgData name="Chee Keet Wong" userId="155b81f272b81788" providerId="LiveId" clId="{93507BAF-8A32-4A36-AB94-5999714FA960}" dt="2019-08-03T06:40:10.945" v="871" actId="313"/>
         <pc:sldMkLst>
@@ -1022,7 +857,7 @@
           <a:p>
             <a:fld id="{48FF39DF-2726-4A6A-A12E-66C620551ED5}" type="datetimeFigureOut">
               <a:rPr lang="en-SG" smtClean="0"/>
-              <a:t>4/8/2019</a:t>
+              <a:t>10/8/2019</a:t>
             </a:fld>
             <a:endParaRPr lang="en-SG"/>
           </a:p>
@@ -1439,7 +1274,7 @@
           <a:p>
             <a:fld id="{105D9E8C-36A7-494F-953A-48D1A5DA88F8}" type="datetime1">
               <a:rPr lang="en-SG" smtClean="0"/>
-              <a:t>4/8/2019</a:t>
+              <a:t>10/8/2019</a:t>
             </a:fld>
             <a:endParaRPr lang="en-SG"/>
           </a:p>
@@ -1639,7 +1474,7 @@
           <a:p>
             <a:fld id="{38B33185-E606-4900-8D5C-7628A907CB8C}" type="datetime1">
               <a:rPr lang="en-SG" smtClean="0"/>
-              <a:t>4/8/2019</a:t>
+              <a:t>10/8/2019</a:t>
             </a:fld>
             <a:endParaRPr lang="en-SG"/>
           </a:p>
@@ -1849,7 +1684,7 @@
           <a:p>
             <a:fld id="{DB13AC53-1A4C-47D0-83CA-A621B2A98C0B}" type="datetime1">
               <a:rPr lang="en-SG" smtClean="0"/>
-              <a:t>4/8/2019</a:t>
+              <a:t>10/8/2019</a:t>
             </a:fld>
             <a:endParaRPr lang="en-SG"/>
           </a:p>
@@ -2049,7 +1884,7 @@
           <a:p>
             <a:fld id="{7A2B9CA2-1EFD-429F-BF50-D0CC5328E261}" type="datetime1">
               <a:rPr lang="en-SG" smtClean="0"/>
-              <a:t>4/8/2019</a:t>
+              <a:t>10/8/2019</a:t>
             </a:fld>
             <a:endParaRPr lang="en-SG"/>
           </a:p>
@@ -2325,7 +2160,7 @@
           <a:p>
             <a:fld id="{0FB76D43-A7A9-4038-9233-2B616445A185}" type="datetime1">
               <a:rPr lang="en-SG" smtClean="0"/>
-              <a:t>4/8/2019</a:t>
+              <a:t>10/8/2019</a:t>
             </a:fld>
             <a:endParaRPr lang="en-SG"/>
           </a:p>
@@ -2593,7 +2428,7 @@
           <a:p>
             <a:fld id="{167DA3B9-3A14-4356-8357-F181FD24E2CD}" type="datetime1">
               <a:rPr lang="en-SG" smtClean="0"/>
-              <a:t>4/8/2019</a:t>
+              <a:t>10/8/2019</a:t>
             </a:fld>
             <a:endParaRPr lang="en-SG"/>
           </a:p>
@@ -3008,7 +2843,7 @@
           <a:p>
             <a:fld id="{A852F3F4-3B60-4E59-AA38-EEBFA6C5404F}" type="datetime1">
               <a:rPr lang="en-SG" smtClean="0"/>
-              <a:t>4/8/2019</a:t>
+              <a:t>10/8/2019</a:t>
             </a:fld>
             <a:endParaRPr lang="en-SG"/>
           </a:p>
@@ -3150,7 +2985,7 @@
           <a:p>
             <a:fld id="{9D5DBA19-E71C-466C-A5A0-A29ADC10B34A}" type="datetime1">
               <a:rPr lang="en-SG" smtClean="0"/>
-              <a:t>4/8/2019</a:t>
+              <a:t>10/8/2019</a:t>
             </a:fld>
             <a:endParaRPr lang="en-SG"/>
           </a:p>
@@ -3263,7 +3098,7 @@
           <a:p>
             <a:fld id="{89620485-6180-488E-AB47-016A17986F25}" type="datetime1">
               <a:rPr lang="en-SG" smtClean="0"/>
-              <a:t>4/8/2019</a:t>
+              <a:t>10/8/2019</a:t>
             </a:fld>
             <a:endParaRPr lang="en-SG"/>
           </a:p>
@@ -3576,7 +3411,7 @@
           <a:p>
             <a:fld id="{84A5FD83-FE06-4B79-8E29-BB83C9607A26}" type="datetime1">
               <a:rPr lang="en-SG" smtClean="0"/>
-              <a:t>4/8/2019</a:t>
+              <a:t>10/8/2019</a:t>
             </a:fld>
             <a:endParaRPr lang="en-SG"/>
           </a:p>
@@ -3865,7 +3700,7 @@
           <a:p>
             <a:fld id="{9438AE79-885A-4DA5-A84B-FAFF50A0667C}" type="datetime1">
               <a:rPr lang="en-SG" smtClean="0"/>
-              <a:t>4/8/2019</a:t>
+              <a:t>10/8/2019</a:t>
             </a:fld>
             <a:endParaRPr lang="en-SG"/>
           </a:p>
@@ -4108,7 +3943,7 @@
           <a:p>
             <a:fld id="{0C1069B3-B8DF-438A-ADEE-D2829675CDBA}" type="datetime1">
               <a:rPr lang="en-SG" smtClean="0"/>
-              <a:t>4/8/2019</a:t>
+              <a:t>10/8/2019</a:t>
             </a:fld>
             <a:endParaRPr lang="en-SG"/>
           </a:p>
